--- a/Packet Tracer - Routing.pptx
+++ b/Packet Tracer - Routing.pptx
@@ -125,6 +125,11 @@
       </a:defRPr>
     </a:lvl9pPr>
   </p:defaultTextStyle>
+  <p:extLst>
+    <p:ext uri="{EFAFB233-063F-42B5-8137-9DF3F51BA10A}">
+      <p15:sldGuideLst xmlns:p15="http://schemas.microsoft.com/office/powerpoint/2012/main"/>
+    </p:ext>
+  </p:extLst>
 </p:presentation>
 </file>
 
@@ -277,7 +282,7 @@
           <a:p>
             <a:fld id="{751A5438-14BF-4B6B-9D7C-D4154196A072}" type="datetimeFigureOut">
               <a:rPr lang="en-IN" smtClean="0"/>
-              <a:t>25-04-2023</a:t>
+              <a:t>10-08-2023</a:t>
             </a:fld>
             <a:endParaRPr lang="en-IN"/>
           </a:p>
@@ -477,7 +482,7 @@
           <a:p>
             <a:fld id="{751A5438-14BF-4B6B-9D7C-D4154196A072}" type="datetimeFigureOut">
               <a:rPr lang="en-IN" smtClean="0"/>
-              <a:t>25-04-2023</a:t>
+              <a:t>10-08-2023</a:t>
             </a:fld>
             <a:endParaRPr lang="en-IN"/>
           </a:p>
@@ -687,7 +692,7 @@
           <a:p>
             <a:fld id="{751A5438-14BF-4B6B-9D7C-D4154196A072}" type="datetimeFigureOut">
               <a:rPr lang="en-IN" smtClean="0"/>
-              <a:t>25-04-2023</a:t>
+              <a:t>10-08-2023</a:t>
             </a:fld>
             <a:endParaRPr lang="en-IN"/>
           </a:p>
@@ -887,7 +892,7 @@
           <a:p>
             <a:fld id="{751A5438-14BF-4B6B-9D7C-D4154196A072}" type="datetimeFigureOut">
               <a:rPr lang="en-IN" smtClean="0"/>
-              <a:t>25-04-2023</a:t>
+              <a:t>10-08-2023</a:t>
             </a:fld>
             <a:endParaRPr lang="en-IN"/>
           </a:p>
@@ -1163,7 +1168,7 @@
           <a:p>
             <a:fld id="{751A5438-14BF-4B6B-9D7C-D4154196A072}" type="datetimeFigureOut">
               <a:rPr lang="en-IN" smtClean="0"/>
-              <a:t>25-04-2023</a:t>
+              <a:t>10-08-2023</a:t>
             </a:fld>
             <a:endParaRPr lang="en-IN"/>
           </a:p>
@@ -1431,7 +1436,7 @@
           <a:p>
             <a:fld id="{751A5438-14BF-4B6B-9D7C-D4154196A072}" type="datetimeFigureOut">
               <a:rPr lang="en-IN" smtClean="0"/>
-              <a:t>25-04-2023</a:t>
+              <a:t>10-08-2023</a:t>
             </a:fld>
             <a:endParaRPr lang="en-IN"/>
           </a:p>
@@ -1846,7 +1851,7 @@
           <a:p>
             <a:fld id="{751A5438-14BF-4B6B-9D7C-D4154196A072}" type="datetimeFigureOut">
               <a:rPr lang="en-IN" smtClean="0"/>
-              <a:t>25-04-2023</a:t>
+              <a:t>10-08-2023</a:t>
             </a:fld>
             <a:endParaRPr lang="en-IN"/>
           </a:p>
@@ -1988,7 +1993,7 @@
           <a:p>
             <a:fld id="{751A5438-14BF-4B6B-9D7C-D4154196A072}" type="datetimeFigureOut">
               <a:rPr lang="en-IN" smtClean="0"/>
-              <a:t>25-04-2023</a:t>
+              <a:t>10-08-2023</a:t>
             </a:fld>
             <a:endParaRPr lang="en-IN"/>
           </a:p>
@@ -2101,7 +2106,7 @@
           <a:p>
             <a:fld id="{751A5438-14BF-4B6B-9D7C-D4154196A072}" type="datetimeFigureOut">
               <a:rPr lang="en-IN" smtClean="0"/>
-              <a:t>25-04-2023</a:t>
+              <a:t>10-08-2023</a:t>
             </a:fld>
             <a:endParaRPr lang="en-IN"/>
           </a:p>
@@ -2414,7 +2419,7 @@
           <a:p>
             <a:fld id="{751A5438-14BF-4B6B-9D7C-D4154196A072}" type="datetimeFigureOut">
               <a:rPr lang="en-IN" smtClean="0"/>
-              <a:t>25-04-2023</a:t>
+              <a:t>10-08-2023</a:t>
             </a:fld>
             <a:endParaRPr lang="en-IN"/>
           </a:p>
@@ -2703,7 +2708,7 @@
           <a:p>
             <a:fld id="{751A5438-14BF-4B6B-9D7C-D4154196A072}" type="datetimeFigureOut">
               <a:rPr lang="en-IN" smtClean="0"/>
-              <a:t>25-04-2023</a:t>
+              <a:t>10-08-2023</a:t>
             </a:fld>
             <a:endParaRPr lang="en-IN"/>
           </a:p>
@@ -2946,7 +2951,7 @@
           <a:p>
             <a:fld id="{751A5438-14BF-4B6B-9D7C-D4154196A072}" type="datetimeFigureOut">
               <a:rPr lang="en-IN" smtClean="0"/>
-              <a:t>25-04-2023</a:t>
+              <a:t>10-08-2023</a:t>
             </a:fld>
             <a:endParaRPr lang="en-IN"/>
           </a:p>
@@ -3391,31 +3396,6 @@
           </a:p>
         </p:txBody>
       </p:sp>
-      <p:sp>
-        <p:nvSpPr>
-          <p:cNvPr id="7" name="Text Placeholder 6">
-            <a:extLst>
-              <a:ext uri="{FF2B5EF4-FFF2-40B4-BE49-F238E27FC236}">
-                <a16:creationId xmlns:a16="http://schemas.microsoft.com/office/drawing/2014/main" id="{D72F7511-96F9-E19A-AFF0-D245F3C6DAFE}"/>
-              </a:ext>
-            </a:extLst>
-          </p:cNvPr>
-          <p:cNvSpPr>
-            <a:spLocks noGrp="1"/>
-          </p:cNvSpPr>
-          <p:nvPr>
-            <p:ph type="body" idx="1"/>
-          </p:nvPr>
-        </p:nvSpPr>
-        <p:spPr/>
-        <p:txBody>
-          <a:bodyPr/>
-          <a:lstStyle/>
-          <a:p>
-            <a:endParaRPr lang="en-IN"/>
-          </a:p>
-        </p:txBody>
-      </p:sp>
     </p:spTree>
     <p:extLst>
       <p:ext uri="{BB962C8B-B14F-4D97-AF65-F5344CB8AC3E}">
@@ -3462,7 +3442,12 @@
             <p:ph type="title"/>
           </p:nvPr>
         </p:nvSpPr>
-        <p:spPr/>
+        <p:spPr>
+          <a:xfrm>
+            <a:off x="838200" y="365126"/>
+            <a:ext cx="10515600" cy="866516"/>
+          </a:xfrm>
+        </p:spPr>
         <p:txBody>
           <a:bodyPr/>
           <a:lstStyle/>
@@ -3490,7 +3475,12 @@
             <p:ph idx="1"/>
           </p:nvPr>
         </p:nvSpPr>
-        <p:spPr/>
+        <p:spPr>
+          <a:xfrm>
+            <a:off x="825990" y="1210390"/>
+            <a:ext cx="10515600" cy="4351338"/>
+          </a:xfrm>
+        </p:spPr>
         <p:txBody>
           <a:bodyPr/>
           <a:lstStyle/>
@@ -3533,7 +3523,7 @@
         </p:blipFill>
         <p:spPr>
           <a:xfrm>
-            <a:off x="5327462" y="2776086"/>
+            <a:off x="5420768" y="2244241"/>
             <a:ext cx="4496031" cy="4388076"/>
           </a:xfrm>
           <a:prstGeom prst="rect">
@@ -3596,31 +3586,6 @@
               <a:rPr lang="en-IN" dirty="0"/>
               <a:t>Network Addresses for RIP Configuration</a:t>
             </a:r>
-          </a:p>
-        </p:txBody>
-      </p:sp>
-      <p:sp>
-        <p:nvSpPr>
-          <p:cNvPr id="3" name="Content Placeholder 2">
-            <a:extLst>
-              <a:ext uri="{FF2B5EF4-FFF2-40B4-BE49-F238E27FC236}">
-                <a16:creationId xmlns:a16="http://schemas.microsoft.com/office/drawing/2014/main" id="{F891550A-A9E5-F6A7-3D2E-C8C9CD349CC9}"/>
-              </a:ext>
-            </a:extLst>
-          </p:cNvPr>
-          <p:cNvSpPr>
-            <a:spLocks noGrp="1"/>
-          </p:cNvSpPr>
-          <p:nvPr>
-            <p:ph idx="1"/>
-          </p:nvPr>
-        </p:nvSpPr>
-        <p:spPr/>
-        <p:txBody>
-          <a:bodyPr/>
-          <a:lstStyle/>
-          <a:p>
-            <a:endParaRPr lang="en-IN"/>
           </a:p>
         </p:txBody>
       </p:sp>
@@ -3798,31 +3763,6 @@
           </a:p>
         </p:txBody>
       </p:sp>
-      <p:sp>
-        <p:nvSpPr>
-          <p:cNvPr id="5" name="Text Placeholder 4">
-            <a:extLst>
-              <a:ext uri="{FF2B5EF4-FFF2-40B4-BE49-F238E27FC236}">
-                <a16:creationId xmlns:a16="http://schemas.microsoft.com/office/drawing/2014/main" id="{7E51BD39-EFA0-23EE-8B8C-9D14DD3F4F57}"/>
-              </a:ext>
-            </a:extLst>
-          </p:cNvPr>
-          <p:cNvSpPr>
-            <a:spLocks noGrp="1"/>
-          </p:cNvSpPr>
-          <p:nvPr>
-            <p:ph type="body" idx="1"/>
-          </p:nvPr>
-        </p:nvSpPr>
-        <p:spPr/>
-        <p:txBody>
-          <a:bodyPr/>
-          <a:lstStyle/>
-          <a:p>
-            <a:endParaRPr lang="en-IN"/>
-          </a:p>
-        </p:txBody>
-      </p:sp>
     </p:spTree>
     <p:extLst>
       <p:ext uri="{BB962C8B-B14F-4D97-AF65-F5344CB8AC3E}">
@@ -4003,31 +3943,6 @@
           </a:p>
         </p:txBody>
       </p:sp>
-      <p:sp>
-        <p:nvSpPr>
-          <p:cNvPr id="3" name="Content Placeholder 2">
-            <a:extLst>
-              <a:ext uri="{FF2B5EF4-FFF2-40B4-BE49-F238E27FC236}">
-                <a16:creationId xmlns:a16="http://schemas.microsoft.com/office/drawing/2014/main" id="{8FC1B5C7-CE73-7FD1-1961-945FAA8C944B}"/>
-              </a:ext>
-            </a:extLst>
-          </p:cNvPr>
-          <p:cNvSpPr>
-            <a:spLocks noGrp="1"/>
-          </p:cNvSpPr>
-          <p:nvPr>
-            <p:ph idx="1"/>
-          </p:nvPr>
-        </p:nvSpPr>
-        <p:spPr/>
-        <p:txBody>
-          <a:bodyPr/>
-          <a:lstStyle/>
-          <a:p>
-            <a:endParaRPr lang="en-IN"/>
-          </a:p>
-        </p:txBody>
-      </p:sp>
       <p:pic>
         <p:nvPicPr>
           <p:cNvPr id="4" name="Picture 3">
@@ -4341,31 +4256,6 @@
           </a:p>
         </p:txBody>
       </p:sp>
-      <p:sp>
-        <p:nvSpPr>
-          <p:cNvPr id="5" name="Text Placeholder 4">
-            <a:extLst>
-              <a:ext uri="{FF2B5EF4-FFF2-40B4-BE49-F238E27FC236}">
-                <a16:creationId xmlns:a16="http://schemas.microsoft.com/office/drawing/2014/main" id="{7CABC483-3D46-2884-4025-5C87AC02DB51}"/>
-              </a:ext>
-            </a:extLst>
-          </p:cNvPr>
-          <p:cNvSpPr>
-            <a:spLocks noGrp="1"/>
-          </p:cNvSpPr>
-          <p:nvPr>
-            <p:ph type="body" idx="1"/>
-          </p:nvPr>
-        </p:nvSpPr>
-        <p:spPr/>
-        <p:txBody>
-          <a:bodyPr/>
-          <a:lstStyle/>
-          <a:p>
-            <a:endParaRPr lang="en-IN"/>
-          </a:p>
-        </p:txBody>
-      </p:sp>
     </p:spTree>
     <p:extLst>
       <p:ext uri="{BB962C8B-B14F-4D97-AF65-F5344CB8AC3E}">
@@ -4421,31 +4311,6 @@
               <a:rPr lang="en-IN" dirty="0"/>
               <a:t>Create the Topology</a:t>
             </a:r>
-          </a:p>
-        </p:txBody>
-      </p:sp>
-      <p:sp>
-        <p:nvSpPr>
-          <p:cNvPr id="3" name="Content Placeholder 2">
-            <a:extLst>
-              <a:ext uri="{FF2B5EF4-FFF2-40B4-BE49-F238E27FC236}">
-                <a16:creationId xmlns:a16="http://schemas.microsoft.com/office/drawing/2014/main" id="{4DD5654D-C81C-8F4B-F394-9D7063BCD0CC}"/>
-              </a:ext>
-            </a:extLst>
-          </p:cNvPr>
-          <p:cNvSpPr>
-            <a:spLocks noGrp="1"/>
-          </p:cNvSpPr>
-          <p:nvPr>
-            <p:ph idx="1"/>
-          </p:nvPr>
-        </p:nvSpPr>
-        <p:spPr/>
-        <p:txBody>
-          <a:bodyPr/>
-          <a:lstStyle/>
-          <a:p>
-            <a:endParaRPr lang="en-IN"/>
           </a:p>
         </p:txBody>
       </p:sp>
@@ -5783,7 +5648,7 @@
         </p:blipFill>
         <p:spPr>
           <a:xfrm>
-            <a:off x="2646837" y="2626257"/>
+            <a:off x="2208298" y="2034946"/>
             <a:ext cx="4432528" cy="4457929"/>
           </a:xfrm>
           <a:prstGeom prst="rect">
@@ -5807,7 +5672,12 @@
             <p:ph type="title"/>
           </p:nvPr>
         </p:nvSpPr>
-        <p:spPr/>
+        <p:spPr>
+          <a:xfrm>
+            <a:off x="838200" y="365125"/>
+            <a:ext cx="10515600" cy="707895"/>
+          </a:xfrm>
+        </p:spPr>
         <p:txBody>
           <a:bodyPr/>
           <a:lstStyle/>
@@ -5835,7 +5705,12 @@
             <p:ph idx="1"/>
           </p:nvPr>
         </p:nvSpPr>
-        <p:spPr/>
+        <p:spPr>
+          <a:xfrm>
+            <a:off x="838200" y="1253331"/>
+            <a:ext cx="10515600" cy="4351338"/>
+          </a:xfrm>
+        </p:spPr>
         <p:txBody>
           <a:bodyPr/>
           <a:lstStyle/>
@@ -5861,7 +5736,7 @@
         </p:nvSpPr>
         <p:spPr>
           <a:xfrm flipH="1">
-            <a:off x="8589592" y="2626257"/>
+            <a:off x="8514947" y="1805164"/>
             <a:ext cx="2764208" cy="1375037"/>
           </a:xfrm>
           <a:prstGeom prst="wedgeEllipseCallout">
@@ -5954,31 +5829,6 @@
               <a:rPr lang="en-IN" dirty="0"/>
               <a:t>Similarly, for the Others, Add Information as Below </a:t>
             </a:r>
-          </a:p>
-        </p:txBody>
-      </p:sp>
-      <p:sp>
-        <p:nvSpPr>
-          <p:cNvPr id="3" name="Content Placeholder 2">
-            <a:extLst>
-              <a:ext uri="{FF2B5EF4-FFF2-40B4-BE49-F238E27FC236}">
-                <a16:creationId xmlns:a16="http://schemas.microsoft.com/office/drawing/2014/main" id="{C1A9EA66-378C-501B-942A-9FF7663D5275}"/>
-              </a:ext>
-            </a:extLst>
-          </p:cNvPr>
-          <p:cNvSpPr>
-            <a:spLocks noGrp="1"/>
-          </p:cNvSpPr>
-          <p:nvPr>
-            <p:ph idx="1"/>
-          </p:nvPr>
-        </p:nvSpPr>
-        <p:spPr/>
-        <p:txBody>
-          <a:bodyPr/>
-          <a:lstStyle/>
-          <a:p>
-            <a:endParaRPr lang="en-IN"/>
           </a:p>
         </p:txBody>
       </p:sp>
@@ -6067,31 +5917,6 @@
               <a:rPr lang="en-IN" dirty="0"/>
               <a:t>Dynamic Routing</a:t>
             </a:r>
-          </a:p>
-        </p:txBody>
-      </p:sp>
-      <p:sp>
-        <p:nvSpPr>
-          <p:cNvPr id="5" name="Text Placeholder 4">
-            <a:extLst>
-              <a:ext uri="{FF2B5EF4-FFF2-40B4-BE49-F238E27FC236}">
-                <a16:creationId xmlns:a16="http://schemas.microsoft.com/office/drawing/2014/main" id="{C8E9FE07-BB8C-F431-0C89-6A1DC8DE93A0}"/>
-              </a:ext>
-            </a:extLst>
-          </p:cNvPr>
-          <p:cNvSpPr>
-            <a:spLocks noGrp="1"/>
-          </p:cNvSpPr>
-          <p:nvPr>
-            <p:ph type="body" idx="1"/>
-          </p:nvPr>
-        </p:nvSpPr>
-        <p:spPr/>
-        <p:txBody>
-          <a:bodyPr/>
-          <a:lstStyle/>
-          <a:p>
-            <a:endParaRPr lang="en-IN"/>
           </a:p>
         </p:txBody>
       </p:sp>
